--- a/NATHAN ADAIKALARAJ X-Projectnm-keylogger.pptx
+++ b/NATHAN ADAIKALARAJ X-Projectnm-keylogger.pptx
@@ -207,7 +207,7 @@
           <a:p>
             <a:fld id="{46256A78-79A6-408F-8148-4F87BB81602D}" type="datetimeFigureOut">
               <a:rPr lang="en-IN" smtClean="0"/>
-              <a:t>02-04-2024</a:t>
+              <a:t>04-04-2024</a:t>
             </a:fld>
             <a:endParaRPr lang="en-IN"/>
           </a:p>
@@ -711,7 +711,7 @@
           <a:p>
             <a:fld id="{ED291B17-9318-49DB-B28B-6E5994AE9581}" type="datetime1">
               <a:rPr lang="en-US" smtClean="0"/>
-              <a:t>4/2/2024</a:t>
+              <a:t>4/4/2024</a:t>
             </a:fld>
             <a:endParaRPr lang="en-US"/>
           </a:p>
@@ -920,7 +920,7 @@
           <a:p>
             <a:fld id="{2CED4963-E985-44C4-B8C4-FDD613B7C2F8}" type="datetime1">
               <a:rPr lang="en-US" smtClean="0"/>
-              <a:t>4/2/2024</a:t>
+              <a:t>4/4/2024</a:t>
             </a:fld>
             <a:endParaRPr lang="en-US"/>
           </a:p>
@@ -1288,7 +1288,7 @@
           <a:p>
             <a:fld id="{ED291B17-9318-49DB-B28B-6E5994AE9581}" type="datetime1">
               <a:rPr lang="en-US" smtClean="0"/>
-              <a:t>4/2/2024</a:t>
+              <a:t>4/4/2024</a:t>
             </a:fld>
             <a:endParaRPr lang="en-US"/>
           </a:p>
@@ -1492,7 +1492,7 @@
           <a:p>
             <a:fld id="{78DD82B9-B8EE-4375-B6FF-88FA6ABB15D9}" type="datetime1">
               <a:rPr lang="en-US" smtClean="0"/>
-              <a:t>4/2/2024</a:t>
+              <a:t>4/4/2024</a:t>
             </a:fld>
             <a:endParaRPr lang="en-US"/>
           </a:p>
@@ -1749,7 +1749,7 @@
           <a:p>
             <a:fld id="{B2497495-0637-405E-AE64-5CC7506D51F5}" type="datetime1">
               <a:rPr lang="en-US" smtClean="0"/>
-              <a:t>4/2/2024</a:t>
+              <a:t>4/4/2024</a:t>
             </a:fld>
             <a:endParaRPr lang="en-US"/>
           </a:p>
@@ -2007,7 +2007,7 @@
           <a:p>
             <a:fld id="{7BFFD690-9426-415D-8B65-26881E07B2D4}" type="datetime1">
               <a:rPr lang="en-US" smtClean="0"/>
-              <a:t>4/2/2024</a:t>
+              <a:t>4/4/2024</a:t>
             </a:fld>
             <a:endParaRPr lang="en-US"/>
           </a:p>
@@ -2434,7 +2434,7 @@
           <a:p>
             <a:fld id="{04C4989A-474C-40DE-95B9-011C28B71673}" type="datetime1">
               <a:rPr lang="en-US" smtClean="0"/>
-              <a:t>4/2/2024</a:t>
+              <a:t>4/4/2024</a:t>
             </a:fld>
             <a:endParaRPr lang="en-US"/>
           </a:p>
@@ -2564,7 +2564,7 @@
           <a:p>
             <a:fld id="{5DB4ED54-5B5E-4A04-93D3-5772E3CE3818}" type="datetime1">
               <a:rPr lang="en-US" smtClean="0"/>
-              <a:t>4/2/2024</a:t>
+              <a:t>4/4/2024</a:t>
             </a:fld>
             <a:endParaRPr lang="en-US"/>
           </a:p>
@@ -2667,7 +2667,7 @@
           <a:p>
             <a:fld id="{4EDE50D6-574B-40AF-946F-D52A04ADE379}" type="datetime1">
               <a:rPr lang="en-US" smtClean="0"/>
-              <a:t>4/2/2024</a:t>
+              <a:t>4/4/2024</a:t>
             </a:fld>
             <a:endParaRPr lang="en-US"/>
           </a:p>
@@ -3050,7 +3050,7 @@
           <a:p>
             <a:fld id="{D82884F1-FFEA-405F-9602-3DCA865EDA4E}" type="datetime1">
               <a:rPr lang="en-US" smtClean="0"/>
-              <a:t>4/2/2024</a:t>
+              <a:t>4/4/2024</a:t>
             </a:fld>
             <a:endParaRPr lang="en-US"/>
           </a:p>
@@ -3344,7 +3344,7 @@
           <a:p>
             <a:fld id="{7E18DB4A-8810-4A10-AD5C-D5E2C667F5B3}" type="datetime1">
               <a:rPr lang="en-US" smtClean="0"/>
-              <a:t>4/2/2024</a:t>
+              <a:t>4/4/2024</a:t>
             </a:fld>
             <a:endParaRPr lang="en-US"/>
           </a:p>
@@ -3565,7 +3565,7 @@
           <a:p>
             <a:fld id="{ED291B17-9318-49DB-B28B-6E5994AE9581}" type="datetime1">
               <a:rPr lang="en-US" smtClean="0"/>
-              <a:t>4/2/2024</a:t>
+              <a:t>4/4/2024</a:t>
             </a:fld>
             <a:endParaRPr lang="en-US"/>
           </a:p>
@@ -4307,7 +4307,7 @@
           <a:lstStyle/>
           <a:p>
             <a:r>
-              <a:rPr lang="en-US" sz="2000" b="1" dirty="0">
+              <a:rPr lang="en-US" sz="2000" b="1" dirty="0" smtClean="0">
                 <a:solidFill>
                   <a:schemeClr val="accent1">
                     <a:lumMod val="75000"/>
@@ -4321,7 +4321,7 @@
           </a:p>
           <a:p>
             <a:r>
-              <a:rPr lang="en-US" sz="2000" b="1" dirty="0">
+              <a:rPr lang="en-US" sz="2000" b="1" dirty="0" smtClean="0">
                 <a:solidFill>
                   <a:schemeClr val="accent1">
                     <a:lumMod val="75000"/>
@@ -4330,8 +4330,41 @@
                 <a:latin typeface="Arial"/>
                 <a:cs typeface="Arial"/>
               </a:rPr>
-              <a:t>NARENTHIRAKUMAR G- CARE College of Engineering-CSE</a:t>
-            </a:r>
+              <a:t>NATHAN ADAIKALARAJ X</a:t>
+            </a:r>
+            <a:r>
+              <a:rPr lang="en-US" sz="2000" b="1" dirty="0" smtClean="0">
+                <a:solidFill>
+                  <a:schemeClr val="accent1">
+                    <a:lumMod val="75000"/>
+                  </a:schemeClr>
+                </a:solidFill>
+                <a:latin typeface="Arial"/>
+                <a:cs typeface="Arial"/>
+              </a:rPr>
+              <a:t>- CARE College </a:t>
+            </a:r>
+            <a:r>
+              <a:rPr lang="en-US" sz="2000" b="1" smtClean="0">
+                <a:solidFill>
+                  <a:schemeClr val="accent1">
+                    <a:lumMod val="75000"/>
+                  </a:schemeClr>
+                </a:solidFill>
+                <a:latin typeface="Arial"/>
+                <a:cs typeface="Arial"/>
+              </a:rPr>
+              <a:t>of Engineering-AI&amp;DS</a:t>
+            </a:r>
+            <a:endParaRPr lang="en-US" sz="2000" b="1" dirty="0">
+              <a:solidFill>
+                <a:schemeClr val="accent1">
+                  <a:lumMod val="75000"/>
+                </a:schemeClr>
+              </a:solidFill>
+              <a:latin typeface="Arial"/>
+              <a:cs typeface="Arial"/>
+            </a:endParaRPr>
           </a:p>
         </p:txBody>
       </p:sp>
@@ -6902,21 +6935,21 @@
 </file>
 
 <file path=customXml/item2.xml><?xml version="1.0" encoding="utf-8"?>
+<p:properties xmlns:p="http://schemas.microsoft.com/office/2006/metadata/properties" xmlns:xsi="http://www.w3.org/2001/XMLSchema-instance" xmlns:pc="http://schemas.microsoft.com/office/infopath/2007/PartnerControls">
+  <documentManagement>
+    <MediaServiceKeyPoints xmlns="9162bd5b-4ed9-4da3-b376-05204580ba3f" xsi:nil="true"/>
+    <_activity xmlns="9162bd5b-4ed9-4da3-b376-05204580ba3f" xsi:nil="true"/>
+  </documentManagement>
+</p:properties>
+</file>
+
+<file path=customXml/item3.xml><?xml version="1.0" encoding="utf-8"?>
 <?mso-contentType ?>
 <FormTemplates xmlns="http://schemas.microsoft.com/sharepoint/v3/contenttype/forms">
   <Display>DocumentLibraryForm</Display>
   <Edit>DocumentLibraryForm</Edit>
   <New>DocumentLibraryForm</New>
 </FormTemplates>
-</file>
-
-<file path=customXml/item3.xml><?xml version="1.0" encoding="utf-8"?>
-<p:properties xmlns:p="http://schemas.microsoft.com/office/2006/metadata/properties" xmlns:xsi="http://www.w3.org/2001/XMLSchema-instance" xmlns:pc="http://schemas.microsoft.com/office/infopath/2007/PartnerControls">
-  <documentManagement>
-    <MediaServiceKeyPoints xmlns="9162bd5b-4ed9-4da3-b376-05204580ba3f" xsi:nil="true"/>
-    <_activity xmlns="9162bd5b-4ed9-4da3-b376-05204580ba3f" xsi:nil="true"/>
-  </documentManagement>
-</p:properties>
 </file>
 
 <file path=customXml/itemProps1.xml><?xml version="1.0" encoding="utf-8"?>
@@ -6928,25 +6961,38 @@
     <ds:schemaRef ds:uri="http://www.w3.org/2001/XMLSchema"/>
     <ds:schemaRef ds:uri="9162bd5b-4ed9-4da3-b376-05204580ba3f"/>
     <ds:schemaRef ds:uri="c0fa2617-96bd-425d-8578-e93563fe37c5"/>
+    <ds:schemaRef ds:uri="http://schemas.microsoft.com/office/2006/metadata/properties"/>
+    <ds:schemaRef ds:uri="http://schemas.microsoft.com/office/2006/documentManagement/types"/>
+    <ds:schemaRef ds:uri="http://schemas.microsoft.com/office/infopath/2007/PartnerControls"/>
+    <ds:schemaRef ds:uri="http://schemas.openxmlformats.org/package/2006/metadata/core-properties"/>
+    <ds:schemaRef ds:uri="http://purl.org/dc/elements/1.1/"/>
+    <ds:schemaRef ds:uri="http://purl.org/dc/terms/"/>
+    <ds:schemaRef ds:uri="http://schemas.microsoft.com/internal/obd"/>
   </ds:schemaRefs>
 </ds:datastoreItem>
 </file>
 
 <file path=customXml/itemProps2.xml><?xml version="1.0" encoding="utf-8"?>
+<ds:datastoreItem xmlns:ds="http://schemas.openxmlformats.org/officeDocument/2006/customXml" ds:itemID="{8D289AE2-D2AE-49D1-AFAC-3A79F6794255}">
+  <ds:schemaRefs>
+    <ds:schemaRef ds:uri="http://schemas.microsoft.com/office/2006/documentManagement/types"/>
+    <ds:schemaRef ds:uri="http://schemas.microsoft.com/office/infopath/2007/PartnerControls"/>
+    <ds:schemaRef ds:uri="http://purl.org/dc/dcmitype/"/>
+    <ds:schemaRef ds:uri="9162bd5b-4ed9-4da3-b376-05204580ba3f"/>
+    <ds:schemaRef ds:uri="http://schemas.microsoft.com/office/2006/metadata/properties"/>
+    <ds:schemaRef ds:uri="http://purl.org/dc/elements/1.1/"/>
+    <ds:schemaRef ds:uri="c0fa2617-96bd-425d-8578-e93563fe37c5"/>
+    <ds:schemaRef ds:uri="http://schemas.openxmlformats.org/package/2006/metadata/core-properties"/>
+    <ds:schemaRef ds:uri="http://www.w3.org/XML/1998/namespace"/>
+    <ds:schemaRef ds:uri="http://purl.org/dc/terms/"/>
+  </ds:schemaRefs>
+</ds:datastoreItem>
+</file>
+
+<file path=customXml/itemProps3.xml><?xml version="1.0" encoding="utf-8"?>
 <ds:datastoreItem xmlns:ds="http://schemas.openxmlformats.org/officeDocument/2006/customXml" ds:itemID="{927BD4C1-B6B1-4715-ABF9-E660A51A4EA0}">
   <ds:schemaRefs>
     <ds:schemaRef ds:uri="http://schemas.microsoft.com/sharepoint/v3/contenttype/forms"/>
   </ds:schemaRefs>
 </ds:datastoreItem>
-</file>
-
-<file path=customXml/itemProps3.xml><?xml version="1.0" encoding="utf-8"?>
-<ds:datastoreItem xmlns:ds="http://schemas.openxmlformats.org/officeDocument/2006/customXml" ds:itemID="{8D289AE2-D2AE-49D1-AFAC-3A79F6794255}">
-  <ds:schemaRefs>
-    <ds:schemaRef ds:uri="http://schemas.microsoft.com/office/2006/metadata/properties"/>
-    <ds:schemaRef ds:uri="http://www.w3.org/2000/xmlns/"/>
-    <ds:schemaRef ds:uri="9162bd5b-4ed9-4da3-b376-05204580ba3f"/>
-    <ds:schemaRef ds:uri="http://www.w3.org/2001/XMLSchema-instance"/>
-  </ds:schemaRefs>
-</ds:datastoreItem>
 </file>